--- a/백트래킹/9663(N-queen)/N-Queen 위치.pptx
+++ b/백트래킹/9663(N-queen)/N-Queen 위치.pptx
@@ -105,6 +105,11 @@
       </a:defRPr>
     </a:lvl9pPr>
   </p:defaultTextStyle>
+  <p:extLst>
+    <p:ext uri="{EFAFB233-063F-42B5-8137-9DF3F51BA10A}">
+      <p15:sldGuideLst xmlns:p15="http://schemas.microsoft.com/office/powerpoint/2012/main"/>
+    </p:ext>
+  </p:extLst>
 </p:presentation>
 </file>
 
@@ -255,7 +260,7 @@
           <a:p>
             <a:fld id="{20F8E04B-7EDA-44B2-B013-F4F367D3B464}" type="datetimeFigureOut">
               <a:rPr lang="ko-KR" altLang="en-US" smtClean="0"/>
-              <a:t>2022-05-26</a:t>
+              <a:t>2022-05-29</a:t>
             </a:fld>
             <a:endParaRPr lang="ko-KR" altLang="en-US"/>
           </a:p>
@@ -453,7 +458,7 @@
           <a:p>
             <a:fld id="{20F8E04B-7EDA-44B2-B013-F4F367D3B464}" type="datetimeFigureOut">
               <a:rPr lang="ko-KR" altLang="en-US" smtClean="0"/>
-              <a:t>2022-05-26</a:t>
+              <a:t>2022-05-29</a:t>
             </a:fld>
             <a:endParaRPr lang="ko-KR" altLang="en-US"/>
           </a:p>
@@ -661,7 +666,7 @@
           <a:p>
             <a:fld id="{20F8E04B-7EDA-44B2-B013-F4F367D3B464}" type="datetimeFigureOut">
               <a:rPr lang="ko-KR" altLang="en-US" smtClean="0"/>
-              <a:t>2022-05-26</a:t>
+              <a:t>2022-05-29</a:t>
             </a:fld>
             <a:endParaRPr lang="ko-KR" altLang="en-US"/>
           </a:p>
@@ -859,7 +864,7 @@
           <a:p>
             <a:fld id="{20F8E04B-7EDA-44B2-B013-F4F367D3B464}" type="datetimeFigureOut">
               <a:rPr lang="ko-KR" altLang="en-US" smtClean="0"/>
-              <a:t>2022-05-26</a:t>
+              <a:t>2022-05-29</a:t>
             </a:fld>
             <a:endParaRPr lang="ko-KR" altLang="en-US"/>
           </a:p>
@@ -1134,7 +1139,7 @@
           <a:p>
             <a:fld id="{20F8E04B-7EDA-44B2-B013-F4F367D3B464}" type="datetimeFigureOut">
               <a:rPr lang="ko-KR" altLang="en-US" smtClean="0"/>
-              <a:t>2022-05-26</a:t>
+              <a:t>2022-05-29</a:t>
             </a:fld>
             <a:endParaRPr lang="ko-KR" altLang="en-US"/>
           </a:p>
@@ -1399,7 +1404,7 @@
           <a:p>
             <a:fld id="{20F8E04B-7EDA-44B2-B013-F4F367D3B464}" type="datetimeFigureOut">
               <a:rPr lang="ko-KR" altLang="en-US" smtClean="0"/>
-              <a:t>2022-05-26</a:t>
+              <a:t>2022-05-29</a:t>
             </a:fld>
             <a:endParaRPr lang="ko-KR" altLang="en-US"/>
           </a:p>
@@ -1811,7 +1816,7 @@
           <a:p>
             <a:fld id="{20F8E04B-7EDA-44B2-B013-F4F367D3B464}" type="datetimeFigureOut">
               <a:rPr lang="ko-KR" altLang="en-US" smtClean="0"/>
-              <a:t>2022-05-26</a:t>
+              <a:t>2022-05-29</a:t>
             </a:fld>
             <a:endParaRPr lang="ko-KR" altLang="en-US"/>
           </a:p>
@@ -1952,7 +1957,7 @@
           <a:p>
             <a:fld id="{20F8E04B-7EDA-44B2-B013-F4F367D3B464}" type="datetimeFigureOut">
               <a:rPr lang="ko-KR" altLang="en-US" smtClean="0"/>
-              <a:t>2022-05-26</a:t>
+              <a:t>2022-05-29</a:t>
             </a:fld>
             <a:endParaRPr lang="ko-KR" altLang="en-US"/>
           </a:p>
@@ -2065,7 +2070,7 @@
           <a:p>
             <a:fld id="{20F8E04B-7EDA-44B2-B013-F4F367D3B464}" type="datetimeFigureOut">
               <a:rPr lang="ko-KR" altLang="en-US" smtClean="0"/>
-              <a:t>2022-05-26</a:t>
+              <a:t>2022-05-29</a:t>
             </a:fld>
             <a:endParaRPr lang="ko-KR" altLang="en-US"/>
           </a:p>
@@ -2376,7 +2381,7 @@
           <a:p>
             <a:fld id="{20F8E04B-7EDA-44B2-B013-F4F367D3B464}" type="datetimeFigureOut">
               <a:rPr lang="ko-KR" altLang="en-US" smtClean="0"/>
-              <a:t>2022-05-26</a:t>
+              <a:t>2022-05-29</a:t>
             </a:fld>
             <a:endParaRPr lang="ko-KR" altLang="en-US"/>
           </a:p>
@@ -2664,7 +2669,7 @@
           <a:p>
             <a:fld id="{20F8E04B-7EDA-44B2-B013-F4F367D3B464}" type="datetimeFigureOut">
               <a:rPr lang="ko-KR" altLang="en-US" smtClean="0"/>
-              <a:t>2022-05-26</a:t>
+              <a:t>2022-05-29</a:t>
             </a:fld>
             <a:endParaRPr lang="ko-KR" altLang="en-US"/>
           </a:p>
@@ -2905,7 +2910,7 @@
           <a:p>
             <a:fld id="{20F8E04B-7EDA-44B2-B013-F4F367D3B464}" type="datetimeFigureOut">
               <a:rPr lang="ko-KR" altLang="en-US" smtClean="0"/>
-              <a:t>2022-05-26</a:t>
+              <a:t>2022-05-29</a:t>
             </a:fld>
             <a:endParaRPr lang="ko-KR" altLang="en-US"/>
           </a:p>
@@ -4644,7 +4649,7 @@
           <p:nvPr>
             <p:extLst>
               <p:ext uri="{D42A27DB-BD31-4B8C-83A1-F6EECF244321}">
-                <p14:modId xmlns:p14="http://schemas.microsoft.com/office/powerpoint/2010/main" val="757423871"/>
+                <p14:modId xmlns:p14="http://schemas.microsoft.com/office/powerpoint/2010/main" val="748624786"/>
               </p:ext>
             </p:extLst>
           </p:nvPr>
@@ -4958,10 +4963,14 @@
                     <a:lstStyle/>
                     <a:p>
                       <a:pPr algn="ctr" latinLnBrk="1"/>
-                      <a:endParaRPr lang="ko-KR" altLang="en-US"/>
-                    </a:p>
-                  </a:txBody>
-                  <a:tcPr anchor="ctr"/>
+                      <a:endParaRPr lang="ko-KR" altLang="en-US" dirty="0"/>
+                    </a:p>
+                  </a:txBody>
+                  <a:tcPr anchor="ctr">
+                    <a:solidFill>
+                      <a:srgbClr val="FF0000"/>
+                    </a:solidFill>
+                  </a:tcPr>
                 </a:tc>
                 <a:tc>
                   <a:txBody>
